--- a/HW6/地球座標.pptx
+++ b/HW6/地球座標.pptx
@@ -260,7 +260,7 @@
           <a:p>
             <a:fld id="{0DF5CB6F-A0CA-48AD-8F3A-7FA2C68ABAD9}" type="datetimeFigureOut">
               <a:rPr lang="zh-TW" altLang="en-US" smtClean="0"/>
-              <a:t>2020-06-20</a:t>
+              <a:t>2020-06-25</a:t>
             </a:fld>
             <a:endParaRPr lang="zh-TW" altLang="en-US"/>
           </a:p>
@@ -458,7 +458,7 @@
           <a:p>
             <a:fld id="{0DF5CB6F-A0CA-48AD-8F3A-7FA2C68ABAD9}" type="datetimeFigureOut">
               <a:rPr lang="zh-TW" altLang="en-US" smtClean="0"/>
-              <a:t>2020-06-20</a:t>
+              <a:t>2020-06-25</a:t>
             </a:fld>
             <a:endParaRPr lang="zh-TW" altLang="en-US"/>
           </a:p>
@@ -666,7 +666,7 @@
           <a:p>
             <a:fld id="{0DF5CB6F-A0CA-48AD-8F3A-7FA2C68ABAD9}" type="datetimeFigureOut">
               <a:rPr lang="zh-TW" altLang="en-US" smtClean="0"/>
-              <a:t>2020-06-20</a:t>
+              <a:t>2020-06-25</a:t>
             </a:fld>
             <a:endParaRPr lang="zh-TW" altLang="en-US"/>
           </a:p>
@@ -864,7 +864,7 @@
           <a:p>
             <a:fld id="{0DF5CB6F-A0CA-48AD-8F3A-7FA2C68ABAD9}" type="datetimeFigureOut">
               <a:rPr lang="zh-TW" altLang="en-US" smtClean="0"/>
-              <a:t>2020-06-20</a:t>
+              <a:t>2020-06-25</a:t>
             </a:fld>
             <a:endParaRPr lang="zh-TW" altLang="en-US"/>
           </a:p>
@@ -1139,7 +1139,7 @@
           <a:p>
             <a:fld id="{0DF5CB6F-A0CA-48AD-8F3A-7FA2C68ABAD9}" type="datetimeFigureOut">
               <a:rPr lang="zh-TW" altLang="en-US" smtClean="0"/>
-              <a:t>2020-06-20</a:t>
+              <a:t>2020-06-25</a:t>
             </a:fld>
             <a:endParaRPr lang="zh-TW" altLang="en-US"/>
           </a:p>
@@ -1404,7 +1404,7 @@
           <a:p>
             <a:fld id="{0DF5CB6F-A0CA-48AD-8F3A-7FA2C68ABAD9}" type="datetimeFigureOut">
               <a:rPr lang="zh-TW" altLang="en-US" smtClean="0"/>
-              <a:t>2020-06-20</a:t>
+              <a:t>2020-06-25</a:t>
             </a:fld>
             <a:endParaRPr lang="zh-TW" altLang="en-US"/>
           </a:p>
@@ -1816,7 +1816,7 @@
           <a:p>
             <a:fld id="{0DF5CB6F-A0CA-48AD-8F3A-7FA2C68ABAD9}" type="datetimeFigureOut">
               <a:rPr lang="zh-TW" altLang="en-US" smtClean="0"/>
-              <a:t>2020-06-20</a:t>
+              <a:t>2020-06-25</a:t>
             </a:fld>
             <a:endParaRPr lang="zh-TW" altLang="en-US"/>
           </a:p>
@@ -1957,7 +1957,7 @@
           <a:p>
             <a:fld id="{0DF5CB6F-A0CA-48AD-8F3A-7FA2C68ABAD9}" type="datetimeFigureOut">
               <a:rPr lang="zh-TW" altLang="en-US" smtClean="0"/>
-              <a:t>2020-06-20</a:t>
+              <a:t>2020-06-25</a:t>
             </a:fld>
             <a:endParaRPr lang="zh-TW" altLang="en-US"/>
           </a:p>
@@ -2070,7 +2070,7 @@
           <a:p>
             <a:fld id="{0DF5CB6F-A0CA-48AD-8F3A-7FA2C68ABAD9}" type="datetimeFigureOut">
               <a:rPr lang="zh-TW" altLang="en-US" smtClean="0"/>
-              <a:t>2020-06-20</a:t>
+              <a:t>2020-06-25</a:t>
             </a:fld>
             <a:endParaRPr lang="zh-TW" altLang="en-US"/>
           </a:p>
@@ -2381,7 +2381,7 @@
           <a:p>
             <a:fld id="{0DF5CB6F-A0CA-48AD-8F3A-7FA2C68ABAD9}" type="datetimeFigureOut">
               <a:rPr lang="zh-TW" altLang="en-US" smtClean="0"/>
-              <a:t>2020-06-20</a:t>
+              <a:t>2020-06-25</a:t>
             </a:fld>
             <a:endParaRPr lang="zh-TW" altLang="en-US"/>
           </a:p>
@@ -2669,7 +2669,7 @@
           <a:p>
             <a:fld id="{0DF5CB6F-A0CA-48AD-8F3A-7FA2C68ABAD9}" type="datetimeFigureOut">
               <a:rPr lang="zh-TW" altLang="en-US" smtClean="0"/>
-              <a:t>2020-06-20</a:t>
+              <a:t>2020-06-25</a:t>
             </a:fld>
             <a:endParaRPr lang="zh-TW" altLang="en-US"/>
           </a:p>
@@ -2910,7 +2910,7 @@
           <a:p>
             <a:fld id="{0DF5CB6F-A0CA-48AD-8F3A-7FA2C68ABAD9}" type="datetimeFigureOut">
               <a:rPr lang="zh-TW" altLang="en-US" smtClean="0"/>
-              <a:t>2020-06-20</a:t>
+              <a:t>2020-06-25</a:t>
             </a:fld>
             <a:endParaRPr lang="zh-TW" altLang="en-US"/>
           </a:p>
@@ -3342,9 +3342,9 @@
         <p:grpSpPr>
           <a:xfrm>
             <a:off x="2235093" y="820666"/>
-            <a:ext cx="7721815" cy="5216669"/>
+            <a:ext cx="8113453" cy="5216669"/>
             <a:chOff x="2235093" y="820666"/>
-            <a:chExt cx="7721815" cy="5216669"/>
+            <a:chExt cx="8113453" cy="5216669"/>
           </a:xfrm>
         </p:grpSpPr>
         <p:sp>
@@ -4760,9 +4760,9 @@
           <p:grpSpPr>
             <a:xfrm>
               <a:off x="6338224" y="4604686"/>
-              <a:ext cx="3542354" cy="1081414"/>
+              <a:ext cx="4010322" cy="1081414"/>
               <a:chOff x="1534444" y="690838"/>
-              <a:chExt cx="3736760" cy="1081414"/>
+              <a:chExt cx="4230410" cy="1081414"/>
             </a:xfrm>
             <a:solidFill>
               <a:schemeClr val="bg1"/>
@@ -5135,9 +5135,9 @@
             <p:grpSpPr>
               <a:xfrm>
                 <a:off x="1534444" y="690838"/>
-                <a:ext cx="3736760" cy="369332"/>
+                <a:ext cx="4230410" cy="369332"/>
                 <a:chOff x="1534444" y="741417"/>
-                <a:chExt cx="3736760" cy="369332"/>
+                <a:chExt cx="4230410" cy="369332"/>
               </a:xfrm>
               <a:grpFill/>
             </p:grpSpPr>
@@ -5156,7 +5156,7 @@
               <p:spPr>
                 <a:xfrm>
                   <a:off x="1720284" y="741417"/>
-                  <a:ext cx="3550920" cy="369332"/>
+                  <a:ext cx="4044570" cy="369332"/>
                 </a:xfrm>
                 <a:prstGeom prst="rect">
                   <a:avLst/>
@@ -5187,7 +5187,7 @@
                       </a:solidFill>
                       <a:latin typeface="+mj-lt"/>
                     </a:rPr>
-                    <a:t>Conventional Terrestrial Pole</a:t>
+                    <a:t>Conventional International Origin</a:t>
                   </a:r>
                   <a:endParaRPr lang="zh-TW" altLang="en-US" dirty="0">
                     <a:solidFill>
@@ -5860,68 +5860,6 @@
       </p:sp>
       <p:sp>
         <p:nvSpPr>
-          <p:cNvPr id="136" name="Arc 258 136">
-            <a:extLst>
-              <a:ext uri="{FF2B5EF4-FFF2-40B4-BE49-F238E27FC236}">
-                <a16:creationId xmlns:a16="http://schemas.microsoft.com/office/drawing/2014/main" id="{293C57DE-62DE-49F7-BF56-871939D722DE}"/>
-              </a:ext>
-            </a:extLst>
-          </p:cNvPr>
-          <p:cNvSpPr/>
-          <p:nvPr/>
-        </p:nvSpPr>
-        <p:spPr>
-          <a:xfrm flipH="1">
-            <a:off x="1908666" y="1423342"/>
-            <a:ext cx="5871523" cy="4172596"/>
-          </a:xfrm>
-          <a:prstGeom prst="arc">
-            <a:avLst>
-              <a:gd name="adj1" fmla="val 7100959"/>
-              <a:gd name="adj2" fmla="val 14499039"/>
-            </a:avLst>
-          </a:prstGeom>
-          <a:noFill/>
-          <a:ln w="19050">
-            <a:solidFill>
-              <a:schemeClr val="accent6">
-                <a:lumMod val="75000"/>
-                <a:alpha val="50196"/>
-              </a:schemeClr>
-            </a:solidFill>
-          </a:ln>
-        </p:spPr>
-        <p:style>
-          <a:lnRef idx="2">
-            <a:schemeClr val="accent1">
-              <a:shade val="50000"/>
-            </a:schemeClr>
-          </a:lnRef>
-          <a:fillRef idx="1">
-            <a:schemeClr val="accent1"/>
-          </a:fillRef>
-          <a:effectRef idx="0">
-            <a:schemeClr val="accent1"/>
-          </a:effectRef>
-          <a:fontRef idx="minor">
-            <a:schemeClr val="lt1"/>
-          </a:fontRef>
-        </p:style>
-        <p:txBody>
-          <a:bodyPr rtlCol="0" anchor="ctr"/>
-          <a:lstStyle/>
-          <a:p>
-            <a:pPr algn="ctr"/>
-            <a:endParaRPr lang="zh-TW" altLang="en-US" dirty="0">
-              <a:solidFill>
-                <a:schemeClr val="lt1"/>
-              </a:solidFill>
-            </a:endParaRPr>
-          </a:p>
-        </p:txBody>
-      </p:sp>
-      <p:sp>
-        <p:nvSpPr>
           <p:cNvPr id="157" name="Oval 258 157">
             <a:extLst>
               <a:ext uri="{FF2B5EF4-FFF2-40B4-BE49-F238E27FC236}">
@@ -5997,110 +5935,6 @@
           </a:solidFill>
           <a:ln>
             <a:noFill/>
-          </a:ln>
-        </p:spPr>
-        <p:style>
-          <a:lnRef idx="2">
-            <a:schemeClr val="accent1">
-              <a:shade val="50000"/>
-            </a:schemeClr>
-          </a:lnRef>
-          <a:fillRef idx="1">
-            <a:schemeClr val="accent1"/>
-          </a:fillRef>
-          <a:effectRef idx="0">
-            <a:schemeClr val="accent1"/>
-          </a:effectRef>
-          <a:fontRef idx="minor">
-            <a:schemeClr val="lt1"/>
-          </a:fontRef>
-        </p:style>
-        <p:txBody>
-          <a:bodyPr rtlCol="0" anchor="ctr"/>
-          <a:lstStyle/>
-          <a:p>
-            <a:pPr algn="ctr"/>
-            <a:endParaRPr lang="zh-TW" altLang="en-US"/>
-          </a:p>
-        </p:txBody>
-      </p:sp>
-      <p:sp>
-        <p:nvSpPr>
-          <p:cNvPr id="45" name="Oval 258 45">
-            <a:extLst>
-              <a:ext uri="{FF2B5EF4-FFF2-40B4-BE49-F238E27FC236}">
-                <a16:creationId xmlns:a16="http://schemas.microsoft.com/office/drawing/2014/main" id="{94D456FC-70D9-4638-9829-E456FB9DEB4D}"/>
-              </a:ext>
-            </a:extLst>
-          </p:cNvPr>
-          <p:cNvSpPr/>
-          <p:nvPr/>
-        </p:nvSpPr>
-        <p:spPr>
-          <a:xfrm>
-            <a:off x="5842653" y="3793947"/>
-            <a:ext cx="108000" cy="108000"/>
-          </a:xfrm>
-          <a:prstGeom prst="ellipse">
-            <a:avLst/>
-          </a:prstGeom>
-          <a:solidFill>
-            <a:srgbClr val="FF0000"/>
-          </a:solidFill>
-          <a:ln>
-            <a:noFill/>
-          </a:ln>
-        </p:spPr>
-        <p:style>
-          <a:lnRef idx="2">
-            <a:schemeClr val="accent1">
-              <a:shade val="50000"/>
-            </a:schemeClr>
-          </a:lnRef>
-          <a:fillRef idx="1">
-            <a:schemeClr val="accent1"/>
-          </a:fillRef>
-          <a:effectRef idx="0">
-            <a:schemeClr val="accent1"/>
-          </a:effectRef>
-          <a:fontRef idx="minor">
-            <a:schemeClr val="lt1"/>
-          </a:fontRef>
-        </p:style>
-        <p:txBody>
-          <a:bodyPr rtlCol="0" anchor="ctr"/>
-          <a:lstStyle/>
-          <a:p>
-            <a:pPr algn="ctr"/>
-            <a:endParaRPr lang="zh-TW" altLang="en-US"/>
-          </a:p>
-        </p:txBody>
-      </p:sp>
-      <p:sp>
-        <p:nvSpPr>
-          <p:cNvPr id="4" name="Oval 258 4">
-            <a:extLst>
-              <a:ext uri="{FF2B5EF4-FFF2-40B4-BE49-F238E27FC236}">
-                <a16:creationId xmlns:a16="http://schemas.microsoft.com/office/drawing/2014/main" id="{F8A32E2C-CE33-42A8-A320-9EA6545A0A7C}"/>
-              </a:ext>
-            </a:extLst>
-          </p:cNvPr>
-          <p:cNvSpPr/>
-          <p:nvPr/>
-        </p:nvSpPr>
-        <p:spPr>
-          <a:xfrm>
-            <a:off x="3402640" y="1561945"/>
-            <a:ext cx="4950069" cy="3895030"/>
-          </a:xfrm>
-          <a:prstGeom prst="ellipse">
-            <a:avLst/>
-          </a:prstGeom>
-          <a:noFill/>
-          <a:ln w="13970">
-            <a:solidFill>
-              <a:schemeClr val="tx1"/>
-            </a:solidFill>
           </a:ln>
         </p:spPr>
         <p:style>
@@ -6286,9 +6120,9 @@
           <p:nvPr/>
         </p:nvSpPr>
         <p:spPr>
-          <a:xfrm rot="20280000">
-            <a:off x="3294485" y="2696272"/>
-            <a:ext cx="4348994" cy="261610"/>
+          <a:xfrm rot="20580000">
+            <a:off x="3370489" y="3177366"/>
+            <a:ext cx="1567240" cy="276999"/>
           </a:xfrm>
           <a:prstGeom prst="rect">
             <a:avLst/>
@@ -6302,7 +6136,7 @@
           <a:lstStyle/>
           <a:p>
             <a:r>
-              <a:rPr lang="en-US" altLang="zh-TW" sz="1100" dirty="0">
+              <a:rPr lang="en-US" altLang="zh-TW" sz="1200" dirty="0">
                 <a:solidFill>
                   <a:schemeClr val="bg1"/>
                 </a:solidFill>
@@ -6310,7 +6144,7 @@
               </a:rPr>
               <a:t>Celestial Equator</a:t>
             </a:r>
-            <a:endParaRPr lang="zh-TW" altLang="en-US" sz="1100" dirty="0">
+            <a:endParaRPr lang="zh-TW" altLang="en-US" sz="1200" dirty="0">
               <a:solidFill>
                 <a:schemeClr val="bg1"/>
               </a:solidFill>
@@ -6352,7 +6186,7 @@
                 <a:solidFill>
                   <a:srgbClr val="0070C0"/>
                 </a:solidFill>
-                <a:latin typeface="+mn-ea"/>
+                <a:latin typeface="+mj-lt"/>
               </a:rPr>
               <a:t>Y</a:t>
             </a:r>
@@ -6361,7 +6195,7 @@
                 <a:solidFill>
                   <a:srgbClr val="0070C0"/>
                 </a:solidFill>
-                <a:latin typeface="+mn-ea"/>
+                <a:latin typeface="+mj-lt"/>
               </a:rPr>
               <a:t>★</a:t>
             </a:r>
@@ -6369,7 +6203,7 @@
               <a:solidFill>
                 <a:srgbClr val="0070C0"/>
               </a:solidFill>
-              <a:latin typeface="+mn-ea"/>
+              <a:latin typeface="+mj-lt"/>
             </a:endParaRPr>
           </a:p>
         </p:txBody>
@@ -6407,7 +6241,7 @@
                 <a:solidFill>
                   <a:srgbClr val="0070C0"/>
                 </a:solidFill>
-                <a:latin typeface="+mn-ea"/>
+                <a:latin typeface="+mj-lt"/>
               </a:rPr>
               <a:t>X</a:t>
             </a:r>
@@ -6416,7 +6250,7 @@
                 <a:solidFill>
                   <a:srgbClr val="0070C0"/>
                 </a:solidFill>
-                <a:latin typeface="+mn-ea"/>
+                <a:latin typeface="+mj-lt"/>
               </a:rPr>
               <a:t>★</a:t>
             </a:r>
@@ -6424,7 +6258,7 @@
               <a:solidFill>
                 <a:srgbClr val="0070C0"/>
               </a:solidFill>
-              <a:latin typeface="+mn-ea"/>
+              <a:latin typeface="+mj-lt"/>
             </a:endParaRPr>
           </a:p>
         </p:txBody>
@@ -6462,7 +6296,7 @@
                 <a:solidFill>
                   <a:srgbClr val="0070C0"/>
                 </a:solidFill>
-                <a:latin typeface="+mn-ea"/>
+                <a:latin typeface="+mj-lt"/>
               </a:rPr>
               <a:t>Z</a:t>
             </a:r>
@@ -6471,7 +6305,7 @@
                 <a:solidFill>
                   <a:srgbClr val="0070C0"/>
                 </a:solidFill>
-                <a:latin typeface="+mn-ea"/>
+                <a:latin typeface="+mj-lt"/>
               </a:rPr>
               <a:t>★</a:t>
             </a:r>
@@ -6479,7 +6313,7 @@
               <a:solidFill>
                 <a:srgbClr val="0070C0"/>
               </a:solidFill>
-              <a:latin typeface="+mn-ea"/>
+              <a:latin typeface="+mj-lt"/>
             </a:endParaRPr>
           </a:p>
         </p:txBody>
@@ -6588,8 +6422,8 @@
         </p:nvCxnSpPr>
         <p:spPr>
           <a:xfrm flipH="1">
-            <a:off x="5896654" y="2144671"/>
-            <a:ext cx="1161370" cy="1703276"/>
+            <a:off x="6096735" y="2144671"/>
+            <a:ext cx="961289" cy="1409835"/>
           </a:xfrm>
           <a:prstGeom prst="line">
             <a:avLst/>
@@ -6780,156 +6614,6 @@
           </a:p>
         </p:txBody>
       </p:sp>
-      <mc:AlternateContent xmlns:mc="http://schemas.openxmlformats.org/markup-compatibility/2006" xmlns:a14="http://schemas.microsoft.com/office/drawing/2010/main">
-        <mc:Choice Requires="a14">
-          <p:sp>
-            <p:nvSpPr>
-              <p:cNvPr id="74" name="TextBox 258 74">
-                <a:extLst>
-                  <a:ext uri="{FF2B5EF4-FFF2-40B4-BE49-F238E27FC236}">
-                    <a16:creationId xmlns:a16="http://schemas.microsoft.com/office/drawing/2014/main" id="{D3B3E5D8-8518-4083-B6DD-DD5F6F6AE17B}"/>
-                  </a:ext>
-                </a:extLst>
-              </p:cNvPr>
-              <p:cNvSpPr txBox="1"/>
-              <p:nvPr/>
-            </p:nvSpPr>
-            <p:spPr>
-              <a:xfrm>
-                <a:off x="5133494" y="4329678"/>
-                <a:ext cx="2421731" cy="369332"/>
-              </a:xfrm>
-              <a:prstGeom prst="rect">
-                <a:avLst/>
-              </a:prstGeom>
-              <a:noFill/>
-            </p:spPr>
-            <p:txBody>
-              <a:bodyPr wrap="square" rtlCol="0">
-                <a:spAutoFit/>
-              </a:bodyPr>
-              <a:lstStyle/>
-              <a:p>
-                <a:pPr/>
-                <a14:m>
-                  <m:oMathPara xmlns:m="http://schemas.openxmlformats.org/officeDocument/2006/math">
-                    <m:oMathParaPr>
-                      <m:jc m:val="centerGroup"/>
-                    </m:oMathParaPr>
-                    <m:oMath xmlns:m="http://schemas.openxmlformats.org/officeDocument/2006/math">
-                      <m:r>
-                        <m:rPr>
-                          <m:nor/>
-                        </m:rPr>
-                        <a:rPr lang="en-US" altLang="zh-TW" dirty="0">
-                          <a:solidFill>
-                            <a:srgbClr val="FF0000"/>
-                          </a:solidFill>
-                        </a:rPr>
-                        <m:t>Center</m:t>
-                      </m:r>
-                      <m:r>
-                        <m:rPr>
-                          <m:nor/>
-                        </m:rPr>
-                        <a:rPr lang="en-US" altLang="zh-TW" dirty="0">
-                          <a:solidFill>
-                            <a:srgbClr val="FF0000"/>
-                          </a:solidFill>
-                        </a:rPr>
-                        <m:t> </m:t>
-                      </m:r>
-                      <m:r>
-                        <m:rPr>
-                          <m:nor/>
-                        </m:rPr>
-                        <a:rPr lang="en-US" altLang="zh-TW" dirty="0">
-                          <a:solidFill>
-                            <a:srgbClr val="FF0000"/>
-                          </a:solidFill>
-                        </a:rPr>
-                        <m:t>of</m:t>
-                      </m:r>
-                      <m:r>
-                        <m:rPr>
-                          <m:nor/>
-                        </m:rPr>
-                        <a:rPr lang="en-US" altLang="zh-TW" dirty="0">
-                          <a:solidFill>
-                            <a:srgbClr val="FF0000"/>
-                          </a:solidFill>
-                        </a:rPr>
-                        <m:t> </m:t>
-                      </m:r>
-                      <m:r>
-                        <m:rPr>
-                          <m:nor/>
-                        </m:rPr>
-                        <a:rPr lang="en-US" altLang="zh-TW" dirty="0">
-                          <a:solidFill>
-                            <a:srgbClr val="FF0000"/>
-                          </a:solidFill>
-                        </a:rPr>
-                        <m:t>Ellipsoid</m:t>
-                      </m:r>
-                    </m:oMath>
-                  </m:oMathPara>
-                </a14:m>
-                <a:endParaRPr lang="zh-TW" altLang="en-US" dirty="0">
-                  <a:solidFill>
-                    <a:srgbClr val="FF0000"/>
-                  </a:solidFill>
-                  <a:latin typeface="+mj-lt"/>
-                </a:endParaRPr>
-              </a:p>
-            </p:txBody>
-          </p:sp>
-        </mc:Choice>
-        <mc:Fallback xmlns="">
-          <p:sp>
-            <p:nvSpPr>
-              <p:cNvPr id="74" name="TextBox 258 74">
-                <a:extLst>
-                  <a:ext uri="{FF2B5EF4-FFF2-40B4-BE49-F238E27FC236}">
-                    <a16:creationId xmlns:a16="http://schemas.microsoft.com/office/drawing/2014/main" id="{D3B3E5D8-8518-4083-B6DD-DD5F6F6AE17B}"/>
-                  </a:ext>
-                </a:extLst>
-              </p:cNvPr>
-              <p:cNvSpPr txBox="1">
-                <a:spLocks noRot="1" noChangeAspect="1" noMove="1" noResize="1" noEditPoints="1" noAdjustHandles="1" noChangeArrowheads="1" noChangeShapeType="1" noTextEdit="1"/>
-              </p:cNvSpPr>
-              <p:nvPr/>
-            </p:nvSpPr>
-            <p:spPr>
-              <a:xfrm>
-                <a:off x="5133494" y="4329678"/>
-                <a:ext cx="2421731" cy="369332"/>
-              </a:xfrm>
-              <a:prstGeom prst="rect">
-                <a:avLst/>
-              </a:prstGeom>
-              <a:blipFill>
-                <a:blip r:embed="rId2"/>
-                <a:stretch>
-                  <a:fillRect b="-13115"/>
-                </a:stretch>
-              </a:blipFill>
-            </p:spPr>
-            <p:txBody>
-              <a:bodyPr/>
-              <a:lstStyle/>
-              <a:p>
-                <a:r>
-                  <a:rPr lang="zh-TW" altLang="en-US">
-                    <a:noFill/>
-                  </a:rPr>
-                  <a:t> </a:t>
-                </a:r>
-              </a:p>
-            </p:txBody>
-          </p:sp>
-        </mc:Fallback>
-      </mc:AlternateContent>
       <p:sp>
         <p:nvSpPr>
           <p:cNvPr id="76" name="TextBox 258 76">
@@ -6963,7 +6647,7 @@
                 <a:solidFill>
                   <a:srgbClr val="FF0000"/>
                 </a:solidFill>
-                <a:latin typeface="+mn-ea"/>
+                <a:latin typeface="+mj-lt"/>
               </a:rPr>
               <a:t>h</a:t>
             </a:r>
@@ -6972,7 +6656,7 @@
                 <a:solidFill>
                   <a:srgbClr val="FF0000"/>
                 </a:solidFill>
-                <a:latin typeface="+mn-ea"/>
+                <a:latin typeface="+mj-lt"/>
               </a:rPr>
               <a:t>★</a:t>
             </a:r>
@@ -6980,7 +6664,7 @@
               <a:solidFill>
                 <a:srgbClr val="FF0000"/>
               </a:solidFill>
-              <a:latin typeface="+mn-ea"/>
+              <a:latin typeface="+mj-lt"/>
             </a:endParaRPr>
           </a:p>
         </p:txBody>
@@ -7117,11 +6801,11 @@
           <a:lstStyle/>
           <a:p>
             <a:r>
-              <a:rPr lang="en-US" altLang="zh-TW" sz="1200" dirty="0">
+              <a:rPr lang="en-US" altLang="zh-TW" sz="1200" i="1" dirty="0">
                 <a:solidFill>
                   <a:srgbClr val="FF0000"/>
                 </a:solidFill>
-                <a:latin typeface="+mn-ea"/>
+                <a:latin typeface="+mj-lt"/>
               </a:rPr>
               <a:t>φ</a:t>
             </a:r>
@@ -7130,7 +6814,7 @@
                 <a:solidFill>
                   <a:srgbClr val="FF0000"/>
                 </a:solidFill>
-                <a:latin typeface="+mn-ea"/>
+                <a:latin typeface="+mj-lt"/>
               </a:rPr>
               <a:t>★</a:t>
             </a:r>
@@ -7138,7 +6822,7 @@
               <a:solidFill>
                 <a:srgbClr val="FF0000"/>
               </a:solidFill>
-              <a:latin typeface="+mn-ea"/>
+              <a:latin typeface="+mj-lt"/>
             </a:endParaRPr>
           </a:p>
         </p:txBody>
@@ -7176,7 +6860,7 @@
                 <a:solidFill>
                   <a:srgbClr val="FF0000"/>
                 </a:solidFill>
-                <a:latin typeface="+mn-ea"/>
+                <a:latin typeface="+mj-lt"/>
               </a:rPr>
               <a:t>λ</a:t>
             </a:r>
@@ -7185,7 +6869,7 @@
                 <a:solidFill>
                   <a:srgbClr val="FF0000"/>
                 </a:solidFill>
-                <a:latin typeface="+mn-ea"/>
+                <a:latin typeface="+mj-lt"/>
               </a:rPr>
               <a:t>★</a:t>
             </a:r>
@@ -7193,385 +6877,11 @@
               <a:solidFill>
                 <a:srgbClr val="FF0000"/>
               </a:solidFill>
-              <a:latin typeface="+mn-ea"/>
+              <a:latin typeface="+mj-lt"/>
             </a:endParaRPr>
           </a:p>
         </p:txBody>
       </p:sp>
-      <p:sp>
-        <p:nvSpPr>
-          <p:cNvPr id="126" name="Freeform 258 126">
-            <a:extLst>
-              <a:ext uri="{FF2B5EF4-FFF2-40B4-BE49-F238E27FC236}">
-                <a16:creationId xmlns:a16="http://schemas.microsoft.com/office/drawing/2014/main" id="{1F66A320-2C0C-4A41-B42A-4CD30BEAC471}"/>
-              </a:ext>
-            </a:extLst>
-          </p:cNvPr>
-          <p:cNvSpPr/>
-          <p:nvPr/>
-        </p:nvSpPr>
-        <p:spPr>
-          <a:xfrm>
-            <a:off x="5579984" y="3918809"/>
-            <a:ext cx="532081" cy="504825"/>
-          </a:xfrm>
-          <a:custGeom>
-            <a:avLst/>
-            <a:gdLst>
-              <a:gd name="connsiteX0" fmla="*/ 258230 w 532081"/>
-              <a:gd name="connsiteY0" fmla="*/ 0 h 504825"/>
-              <a:gd name="connsiteX1" fmla="*/ 7405 w 532081"/>
-              <a:gd name="connsiteY1" fmla="*/ 244475 h 504825"/>
-              <a:gd name="connsiteX2" fmla="*/ 512230 w 532081"/>
-              <a:gd name="connsiteY2" fmla="*/ 254000 h 504825"/>
-              <a:gd name="connsiteX3" fmla="*/ 382055 w 532081"/>
-              <a:gd name="connsiteY3" fmla="*/ 504825 h 504825"/>
-            </a:gdLst>
-            <a:ahLst/>
-            <a:cxnLst>
-              <a:cxn ang="0">
-                <a:pos x="connsiteX0" y="connsiteY0"/>
-              </a:cxn>
-              <a:cxn ang="0">
-                <a:pos x="connsiteX1" y="connsiteY1"/>
-              </a:cxn>
-              <a:cxn ang="0">
-                <a:pos x="connsiteX2" y="connsiteY2"/>
-              </a:cxn>
-              <a:cxn ang="0">
-                <a:pos x="connsiteX3" y="connsiteY3"/>
-              </a:cxn>
-            </a:cxnLst>
-            <a:rect l="l" t="t" r="r" b="b"/>
-            <a:pathLst>
-              <a:path w="532081" h="504825">
-                <a:moveTo>
-                  <a:pt x="258230" y="0"/>
-                </a:moveTo>
-                <a:cubicBezTo>
-                  <a:pt x="111651" y="101071"/>
-                  <a:pt x="-34928" y="202142"/>
-                  <a:pt x="7405" y="244475"/>
-                </a:cubicBezTo>
-                <a:cubicBezTo>
-                  <a:pt x="49738" y="286808"/>
-                  <a:pt x="449788" y="210608"/>
-                  <a:pt x="512230" y="254000"/>
-                </a:cubicBezTo>
-                <a:cubicBezTo>
-                  <a:pt x="574672" y="297392"/>
-                  <a:pt x="478363" y="401108"/>
-                  <a:pt x="382055" y="504825"/>
-                </a:cubicBezTo>
-              </a:path>
-            </a:pathLst>
-          </a:custGeom>
-          <a:noFill/>
-          <a:ln>
-            <a:solidFill>
-              <a:srgbClr val="FF0000"/>
-            </a:solidFill>
-            <a:headEnd type="triangle" w="med" len="med"/>
-            <a:tailEnd type="none" w="med" len="med"/>
-          </a:ln>
-        </p:spPr>
-        <p:style>
-          <a:lnRef idx="2">
-            <a:schemeClr val="accent1">
-              <a:shade val="50000"/>
-            </a:schemeClr>
-          </a:lnRef>
-          <a:fillRef idx="1">
-            <a:schemeClr val="accent1"/>
-          </a:fillRef>
-          <a:effectRef idx="0">
-            <a:schemeClr val="accent1"/>
-          </a:effectRef>
-          <a:fontRef idx="minor">
-            <a:schemeClr val="lt1"/>
-          </a:fontRef>
-        </p:style>
-        <p:txBody>
-          <a:bodyPr rtlCol="0" anchor="ctr"/>
-          <a:lstStyle/>
-          <a:p>
-            <a:pPr algn="ctr"/>
-            <a:endParaRPr lang="zh-TW" altLang="en-US"/>
-          </a:p>
-        </p:txBody>
-      </p:sp>
-      <p:grpSp>
-        <p:nvGrpSpPr>
-          <p:cNvPr id="132" name="Group 258 132">
-            <a:extLst>
-              <a:ext uri="{FF2B5EF4-FFF2-40B4-BE49-F238E27FC236}">
-                <a16:creationId xmlns:a16="http://schemas.microsoft.com/office/drawing/2014/main" id="{AF9B296F-91DE-47CC-B614-2691EADBE243}"/>
-              </a:ext>
-            </a:extLst>
-          </p:cNvPr>
-          <p:cNvGrpSpPr/>
-          <p:nvPr/>
-        </p:nvGrpSpPr>
-        <p:grpSpPr>
-          <a:xfrm>
-            <a:off x="2185155" y="1873316"/>
-            <a:ext cx="3821272" cy="734587"/>
-            <a:chOff x="7051882" y="1115572"/>
-            <a:chExt cx="3840575" cy="734587"/>
-          </a:xfrm>
-          <a:solidFill>
-            <a:schemeClr val="bg1"/>
-          </a:solidFill>
-        </p:grpSpPr>
-        <p:sp>
-          <p:nvSpPr>
-            <p:cNvPr id="133" name="TextBox 257 48">
-              <a:extLst>
-                <a:ext uri="{FF2B5EF4-FFF2-40B4-BE49-F238E27FC236}">
-                  <a16:creationId xmlns:a16="http://schemas.microsoft.com/office/drawing/2014/main" id="{F3F6DF23-44AA-4824-88C9-60CCB78B9C3C}"/>
-                </a:ext>
-              </a:extLst>
-            </p:cNvPr>
-            <p:cNvSpPr txBox="1"/>
-            <p:nvPr/>
-          </p:nvSpPr>
-          <p:spPr>
-            <a:xfrm>
-              <a:off x="7051882" y="1115572"/>
-              <a:ext cx="3840575" cy="369332"/>
-            </a:xfrm>
-            <a:prstGeom prst="rect">
-              <a:avLst/>
-            </a:prstGeom>
-            <a:grpFill/>
-          </p:spPr>
-          <p:txBody>
-            <a:bodyPr wrap="square" rtlCol="0">
-              <a:spAutoFit/>
-            </a:bodyPr>
-            <a:lstStyle/>
-            <a:p>
-              <a:r>
-                <a:rPr lang="en-US" altLang="zh-TW" dirty="0">
-                  <a:latin typeface="+mn-ea"/>
-                </a:rPr>
-                <a:t>Cartesian coordinate</a:t>
-              </a:r>
-              <a:r>
-                <a:rPr lang="zh-TW" altLang="en-US" dirty="0">
-                  <a:latin typeface="+mn-ea"/>
-                </a:rPr>
-                <a:t> </a:t>
-              </a:r>
-              <a:r>
-                <a:rPr lang="en-US" altLang="zh-TW" dirty="0">
-                  <a:latin typeface="+mn-ea"/>
-                </a:rPr>
-                <a:t>:</a:t>
-              </a:r>
-              <a:r>
-                <a:rPr lang="zh-TW" altLang="en-US" dirty="0">
-                  <a:latin typeface="+mn-ea"/>
-                </a:rPr>
-                <a:t> </a:t>
-              </a:r>
-              <a:r>
-                <a:rPr lang="en-US" altLang="zh-TW" dirty="0">
-                  <a:latin typeface="+mn-ea"/>
-                </a:rPr>
-                <a:t>(X</a:t>
-              </a:r>
-              <a:r>
-                <a:rPr lang="zh-TW" altLang="en-US" baseline="-25000" dirty="0">
-                  <a:latin typeface="+mn-ea"/>
-                </a:rPr>
-                <a:t>★</a:t>
-              </a:r>
-              <a:r>
-                <a:rPr lang="en-US" altLang="zh-TW" dirty="0">
-                  <a:latin typeface="+mn-ea"/>
-                </a:rPr>
-                <a:t>,</a:t>
-              </a:r>
-              <a:r>
-                <a:rPr lang="zh-TW" altLang="en-US" dirty="0">
-                  <a:latin typeface="+mn-ea"/>
-                </a:rPr>
-                <a:t> </a:t>
-              </a:r>
-              <a:r>
-                <a:rPr lang="en-US" altLang="zh-TW" dirty="0">
-                  <a:latin typeface="+mn-ea"/>
-                </a:rPr>
-                <a:t>Y</a:t>
-              </a:r>
-              <a:r>
-                <a:rPr lang="zh-TW" altLang="en-US" baseline="-25000" dirty="0">
-                  <a:latin typeface="+mn-ea"/>
-                </a:rPr>
-                <a:t>★</a:t>
-              </a:r>
-              <a:r>
-                <a:rPr lang="en-US" altLang="zh-TW" dirty="0">
-                  <a:latin typeface="+mn-ea"/>
-                </a:rPr>
-                <a:t>,</a:t>
-              </a:r>
-              <a:r>
-                <a:rPr lang="zh-TW" altLang="en-US" dirty="0">
-                  <a:latin typeface="+mn-ea"/>
-                </a:rPr>
-                <a:t> </a:t>
-              </a:r>
-              <a:r>
-                <a:rPr lang="en-US" altLang="zh-TW" dirty="0">
-                  <a:latin typeface="+mn-ea"/>
-                </a:rPr>
-                <a:t>Z</a:t>
-              </a:r>
-              <a:r>
-                <a:rPr lang="zh-TW" altLang="en-US" baseline="-25000" dirty="0">
-                  <a:latin typeface="+mn-ea"/>
-                </a:rPr>
-                <a:t>★</a:t>
-              </a:r>
-              <a:r>
-                <a:rPr lang="en-US" altLang="zh-TW" dirty="0">
-                  <a:latin typeface="+mn-ea"/>
-                </a:rPr>
-                <a:t>)</a:t>
-              </a:r>
-              <a:endParaRPr lang="zh-TW" altLang="en-US" dirty="0">
-                <a:latin typeface="+mn-ea"/>
-              </a:endParaRPr>
-            </a:p>
-          </p:txBody>
-        </p:sp>
-        <p:sp>
-          <p:nvSpPr>
-            <p:cNvPr id="134" name="TextBox 257 48">
-              <a:extLst>
-                <a:ext uri="{FF2B5EF4-FFF2-40B4-BE49-F238E27FC236}">
-                  <a16:creationId xmlns:a16="http://schemas.microsoft.com/office/drawing/2014/main" id="{9FC9FF68-888D-40AA-9EF6-E6322837A4D4}"/>
-                </a:ext>
-              </a:extLst>
-            </p:cNvPr>
-            <p:cNvSpPr txBox="1"/>
-            <p:nvPr/>
-          </p:nvSpPr>
-          <p:spPr>
-            <a:xfrm>
-              <a:off x="7051882" y="1480827"/>
-              <a:ext cx="3717240" cy="369332"/>
-            </a:xfrm>
-            <a:prstGeom prst="rect">
-              <a:avLst/>
-            </a:prstGeom>
-            <a:grpFill/>
-          </p:spPr>
-          <p:txBody>
-            <a:bodyPr wrap="square" rtlCol="0">
-              <a:spAutoFit/>
-            </a:bodyPr>
-            <a:lstStyle/>
-            <a:p>
-              <a:r>
-                <a:rPr lang="en-US" altLang="zh-TW" dirty="0">
-                  <a:latin typeface="+mn-ea"/>
-                </a:rPr>
-                <a:t>spherical coordinate</a:t>
-              </a:r>
-              <a:r>
-                <a:rPr lang="zh-TW" altLang="en-US" dirty="0">
-                  <a:latin typeface="+mn-ea"/>
-                </a:rPr>
-                <a:t> </a:t>
-              </a:r>
-              <a:r>
-                <a:rPr lang="en-US" altLang="zh-TW" dirty="0">
-                  <a:latin typeface="+mn-ea"/>
-                </a:rPr>
-                <a:t>:</a:t>
-              </a:r>
-              <a:r>
-                <a:rPr lang="zh-TW" altLang="en-US" dirty="0">
-                  <a:latin typeface="+mn-ea"/>
-                </a:rPr>
-                <a:t> </a:t>
-              </a:r>
-              <a:r>
-                <a:rPr lang="en-US" altLang="zh-TW" dirty="0">
-                  <a:latin typeface="+mn-ea"/>
-                </a:rPr>
-                <a:t>(φ</a:t>
-              </a:r>
-              <a:r>
-                <a:rPr lang="zh-TW" altLang="en-US" baseline="-25000" dirty="0">
-                  <a:latin typeface="+mn-ea"/>
-                </a:rPr>
-                <a:t>★</a:t>
-              </a:r>
-              <a:r>
-                <a:rPr lang="en-US" altLang="zh-TW" dirty="0">
-                  <a:latin typeface="+mn-ea"/>
-                </a:rPr>
-                <a:t>,</a:t>
-              </a:r>
-              <a:r>
-                <a:rPr lang="zh-TW" altLang="en-US" dirty="0">
-                  <a:latin typeface="+mn-ea"/>
-                </a:rPr>
-                <a:t> </a:t>
-              </a:r>
-              <a:r>
-                <a:rPr lang="en-US" altLang="zh-TW" dirty="0">
-                  <a:latin typeface="+mn-ea"/>
-                </a:rPr>
-                <a:t>λ</a:t>
-              </a:r>
-              <a:r>
-                <a:rPr lang="zh-TW" altLang="en-US" baseline="-25000" dirty="0">
-                  <a:latin typeface="+mn-ea"/>
-                </a:rPr>
-                <a:t>★</a:t>
-              </a:r>
-              <a:r>
-                <a:rPr lang="en-US" altLang="zh-TW" dirty="0">
-                  <a:latin typeface="+mn-ea"/>
-                </a:rPr>
-                <a:t>,</a:t>
-              </a:r>
-              <a:r>
-                <a:rPr lang="zh-TW" altLang="en-US" dirty="0">
-                  <a:latin typeface="+mn-ea"/>
-                </a:rPr>
-                <a:t> </a:t>
-              </a:r>
-              <a:r>
-                <a:rPr lang="en-US" altLang="zh-TW" dirty="0">
-                  <a:latin typeface="+mn-ea"/>
-                </a:rPr>
-                <a:t>h</a:t>
-              </a:r>
-              <a:r>
-                <a:rPr lang="zh-TW" altLang="en-US" baseline="-25000" dirty="0">
-                  <a:latin typeface="+mn-ea"/>
-                </a:rPr>
-                <a:t>★</a:t>
-              </a:r>
-              <a:r>
-                <a:rPr lang="en-US" altLang="zh-TW" dirty="0">
-                  <a:latin typeface="+mn-ea"/>
-                </a:rPr>
-                <a:t>)</a:t>
-              </a:r>
-              <a:endParaRPr lang="zh-TW" altLang="en-US" dirty="0">
-                <a:latin typeface="+mn-ea"/>
-              </a:endParaRPr>
-            </a:p>
-          </p:txBody>
-        </p:sp>
-      </p:grpSp>
       <p:cxnSp>
         <p:nvCxnSpPr>
           <p:cNvPr id="6" name="Straight 258 6">
@@ -7620,9 +6930,671 @@
           </a:fontRef>
         </p:style>
       </p:cxnSp>
-      <p:sp>
-        <p:nvSpPr>
-          <p:cNvPr id="139" name="Oval 258 46">
+      <mc:AlternateContent xmlns:mc="http://schemas.openxmlformats.org/markup-compatibility/2006" xmlns:a14="http://schemas.microsoft.com/office/drawing/2010/main">
+        <mc:Choice Requires="a14">
+          <p:sp>
+            <p:nvSpPr>
+              <p:cNvPr id="142" name="TextBox 258 142">
+                <a:extLst>
+                  <a:ext uri="{FF2B5EF4-FFF2-40B4-BE49-F238E27FC236}">
+                    <a16:creationId xmlns:a16="http://schemas.microsoft.com/office/drawing/2014/main" id="{E97EE836-E6F7-4D92-AFC0-D5DF357385F4}"/>
+                  </a:ext>
+                </a:extLst>
+              </p:cNvPr>
+              <p:cNvSpPr txBox="1"/>
+              <p:nvPr/>
+            </p:nvSpPr>
+            <p:spPr>
+              <a:xfrm>
+                <a:off x="7514824" y="5111389"/>
+                <a:ext cx="1460750" cy="369332"/>
+              </a:xfrm>
+              <a:prstGeom prst="rect">
+                <a:avLst/>
+              </a:prstGeom>
+              <a:noFill/>
+            </p:spPr>
+            <p:txBody>
+              <a:bodyPr wrap="square" rtlCol="0">
+                <a:spAutoFit/>
+              </a:bodyPr>
+              <a:lstStyle/>
+              <a:p>
+                <a:pPr/>
+                <a14:m>
+                  <m:oMathPara xmlns:m="http://schemas.openxmlformats.org/officeDocument/2006/math">
+                    <m:oMathParaPr>
+                      <m:jc m:val="centerGroup"/>
+                    </m:oMathParaPr>
+                    <m:oMath xmlns:m="http://schemas.openxmlformats.org/officeDocument/2006/math">
+                      <m:r>
+                        <m:rPr>
+                          <m:nor/>
+                        </m:rPr>
+                        <a:rPr lang="en-US" altLang="zh-TW" b="0" i="0" dirty="0" smtClean="0">
+                          <a:solidFill>
+                            <a:schemeClr val="accent6">
+                              <a:lumMod val="75000"/>
+                            </a:schemeClr>
+                          </a:solidFill>
+                          <a:latin typeface="+mj-lt"/>
+                        </a:rPr>
+                        <m:t>Meridian</m:t>
+                      </m:r>
+                    </m:oMath>
+                  </m:oMathPara>
+                </a14:m>
+                <a:endParaRPr lang="zh-TW" altLang="en-US" dirty="0">
+                  <a:solidFill>
+                    <a:schemeClr val="accent6">
+                      <a:lumMod val="75000"/>
+                    </a:schemeClr>
+                  </a:solidFill>
+                  <a:latin typeface="+mj-lt"/>
+                </a:endParaRPr>
+              </a:p>
+            </p:txBody>
+          </p:sp>
+        </mc:Choice>
+        <mc:Fallback xmlns="">
+          <p:sp>
+            <p:nvSpPr>
+              <p:cNvPr id="142" name="TextBox 258 142">
+                <a:extLst>
+                  <a:ext uri="{FF2B5EF4-FFF2-40B4-BE49-F238E27FC236}">
+                    <a16:creationId xmlns:a16="http://schemas.microsoft.com/office/drawing/2014/main" id="{E97EE836-E6F7-4D92-AFC0-D5DF357385F4}"/>
+                  </a:ext>
+                </a:extLst>
+              </p:cNvPr>
+              <p:cNvSpPr txBox="1">
+                <a:spLocks noRot="1" noChangeAspect="1" noMove="1" noResize="1" noEditPoints="1" noAdjustHandles="1" noChangeArrowheads="1" noChangeShapeType="1" noTextEdit="1"/>
+              </p:cNvSpPr>
+              <p:nvPr/>
+            </p:nvSpPr>
+            <p:spPr>
+              <a:xfrm>
+                <a:off x="7514824" y="5111389"/>
+                <a:ext cx="1460750" cy="369332"/>
+              </a:xfrm>
+              <a:prstGeom prst="rect">
+                <a:avLst/>
+              </a:prstGeom>
+              <a:blipFill>
+                <a:blip r:embed="rId2"/>
+                <a:stretch>
+                  <a:fillRect/>
+                </a:stretch>
+              </a:blipFill>
+            </p:spPr>
+            <p:txBody>
+              <a:bodyPr/>
+              <a:lstStyle/>
+              <a:p>
+                <a:r>
+                  <a:rPr lang="zh-TW" altLang="en-US">
+                    <a:noFill/>
+                  </a:rPr>
+                  <a:t> </a:t>
+                </a:r>
+              </a:p>
+            </p:txBody>
+          </p:sp>
+        </mc:Fallback>
+      </mc:AlternateContent>
+      <p:grpSp>
+        <p:nvGrpSpPr>
+          <p:cNvPr id="11" name="Group 258 11">
+            <a:extLst>
+              <a:ext uri="{FF2B5EF4-FFF2-40B4-BE49-F238E27FC236}">
+                <a16:creationId xmlns:a16="http://schemas.microsoft.com/office/drawing/2014/main" id="{96C67710-12E5-4481-80A1-3C1F8B60388F}"/>
+              </a:ext>
+            </a:extLst>
+          </p:cNvPr>
+          <p:cNvGrpSpPr/>
+          <p:nvPr/>
+        </p:nvGrpSpPr>
+        <p:grpSpPr>
+          <a:xfrm>
+            <a:off x="7089956" y="2089429"/>
+            <a:ext cx="54331" cy="87399"/>
+            <a:chOff x="7089956" y="2098953"/>
+            <a:chExt cx="54331" cy="87399"/>
+          </a:xfrm>
+        </p:grpSpPr>
+        <p:cxnSp>
+          <p:nvCxnSpPr>
+            <p:cNvPr id="42" name="Straight 258 58">
+              <a:extLst>
+                <a:ext uri="{FF2B5EF4-FFF2-40B4-BE49-F238E27FC236}">
+                  <a16:creationId xmlns:a16="http://schemas.microsoft.com/office/drawing/2014/main" id="{CA5B9234-5DC2-423B-8958-34521ECFD617}"/>
+                </a:ext>
+              </a:extLst>
+            </p:cNvPr>
+            <p:cNvCxnSpPr>
+              <a:cxnSpLocks/>
+            </p:cNvCxnSpPr>
+            <p:nvPr/>
+          </p:nvCxnSpPr>
+          <p:spPr>
+            <a:xfrm flipH="1">
+              <a:off x="7103779" y="2126940"/>
+              <a:ext cx="40508" cy="59412"/>
+            </a:xfrm>
+            <a:prstGeom prst="line">
+              <a:avLst/>
+            </a:prstGeom>
+            <a:ln w="12700">
+              <a:solidFill>
+                <a:srgbClr val="FF0000"/>
+              </a:solidFill>
+              <a:prstDash val="solid"/>
+            </a:ln>
+          </p:spPr>
+          <p:style>
+            <a:lnRef idx="1">
+              <a:schemeClr val="accent1"/>
+            </a:lnRef>
+            <a:fillRef idx="0">
+              <a:schemeClr val="accent1"/>
+            </a:fillRef>
+            <a:effectRef idx="0">
+              <a:schemeClr val="accent1"/>
+            </a:effectRef>
+            <a:fontRef idx="minor">
+              <a:schemeClr val="tx1"/>
+            </a:fontRef>
+          </p:style>
+        </p:cxnSp>
+        <p:cxnSp>
+          <p:nvCxnSpPr>
+            <p:cNvPr id="47" name="Straight 258 58">
+              <a:extLst>
+                <a:ext uri="{FF2B5EF4-FFF2-40B4-BE49-F238E27FC236}">
+                  <a16:creationId xmlns:a16="http://schemas.microsoft.com/office/drawing/2014/main" id="{D30A048A-B1D7-48EF-AD9A-430B6C405BB0}"/>
+                </a:ext>
+              </a:extLst>
+            </p:cNvPr>
+            <p:cNvCxnSpPr>
+              <a:cxnSpLocks/>
+            </p:cNvCxnSpPr>
+            <p:nvPr/>
+          </p:nvCxnSpPr>
+          <p:spPr>
+            <a:xfrm flipH="1" flipV="1">
+              <a:off x="7089956" y="2098953"/>
+              <a:ext cx="52798" cy="36000"/>
+            </a:xfrm>
+            <a:prstGeom prst="line">
+              <a:avLst/>
+            </a:prstGeom>
+            <a:ln w="12700">
+              <a:solidFill>
+                <a:srgbClr val="FF0000"/>
+              </a:solidFill>
+              <a:prstDash val="solid"/>
+            </a:ln>
+          </p:spPr>
+          <p:style>
+            <a:lnRef idx="1">
+              <a:schemeClr val="accent1"/>
+            </a:lnRef>
+            <a:fillRef idx="0">
+              <a:schemeClr val="accent1"/>
+            </a:fillRef>
+            <a:effectRef idx="0">
+              <a:schemeClr val="accent1"/>
+            </a:effectRef>
+            <a:fontRef idx="minor">
+              <a:schemeClr val="tx1"/>
+            </a:fontRef>
+          </p:style>
+        </p:cxnSp>
+      </p:grpSp>
+      <p:sp>
+        <p:nvSpPr>
+          <p:cNvPr id="136" name="Arc 258 136">
+            <a:extLst>
+              <a:ext uri="{FF2B5EF4-FFF2-40B4-BE49-F238E27FC236}">
+                <a16:creationId xmlns:a16="http://schemas.microsoft.com/office/drawing/2014/main" id="{293C57DE-62DE-49F7-BF56-871939D722DE}"/>
+              </a:ext>
+            </a:extLst>
+          </p:cNvPr>
+          <p:cNvSpPr/>
+          <p:nvPr/>
+        </p:nvSpPr>
+        <p:spPr>
+          <a:xfrm flipH="1">
+            <a:off x="1908666" y="1423342"/>
+            <a:ext cx="5871523" cy="4172596"/>
+          </a:xfrm>
+          <a:prstGeom prst="arc">
+            <a:avLst>
+              <a:gd name="adj1" fmla="val 7100959"/>
+              <a:gd name="adj2" fmla="val 14499039"/>
+            </a:avLst>
+          </a:prstGeom>
+          <a:noFill/>
+          <a:ln w="19050">
+            <a:solidFill>
+              <a:schemeClr val="accent6">
+                <a:lumMod val="75000"/>
+                <a:alpha val="50196"/>
+              </a:schemeClr>
+            </a:solidFill>
+          </a:ln>
+        </p:spPr>
+        <p:style>
+          <a:lnRef idx="2">
+            <a:schemeClr val="accent1">
+              <a:shade val="50000"/>
+            </a:schemeClr>
+          </a:lnRef>
+          <a:fillRef idx="1">
+            <a:schemeClr val="accent1"/>
+          </a:fillRef>
+          <a:effectRef idx="0">
+            <a:schemeClr val="accent1"/>
+          </a:effectRef>
+          <a:fontRef idx="minor">
+            <a:schemeClr val="lt1"/>
+          </a:fontRef>
+        </p:style>
+        <p:txBody>
+          <a:bodyPr rtlCol="0" anchor="ctr"/>
+          <a:lstStyle/>
+          <a:p>
+            <a:pPr algn="ctr"/>
+            <a:endParaRPr lang="zh-TW" altLang="en-US" dirty="0">
+              <a:solidFill>
+                <a:schemeClr val="lt1"/>
+              </a:solidFill>
+            </a:endParaRPr>
+          </a:p>
+        </p:txBody>
+      </p:sp>
+      <p:sp>
+        <p:nvSpPr>
+          <p:cNvPr id="4" name="Oval 258 4">
+            <a:extLst>
+              <a:ext uri="{FF2B5EF4-FFF2-40B4-BE49-F238E27FC236}">
+                <a16:creationId xmlns:a16="http://schemas.microsoft.com/office/drawing/2014/main" id="{F8A32E2C-CE33-42A8-A320-9EA6545A0A7C}"/>
+              </a:ext>
+            </a:extLst>
+          </p:cNvPr>
+          <p:cNvSpPr/>
+          <p:nvPr/>
+        </p:nvSpPr>
+        <p:spPr>
+          <a:xfrm>
+            <a:off x="3402640" y="1561945"/>
+            <a:ext cx="4950069" cy="3895030"/>
+          </a:xfrm>
+          <a:prstGeom prst="ellipse">
+            <a:avLst/>
+          </a:prstGeom>
+          <a:noFill/>
+          <a:ln w="13970">
+            <a:solidFill>
+              <a:schemeClr val="tx1"/>
+            </a:solidFill>
+          </a:ln>
+        </p:spPr>
+        <p:style>
+          <a:lnRef idx="2">
+            <a:schemeClr val="accent1">
+              <a:shade val="50000"/>
+            </a:schemeClr>
+          </a:lnRef>
+          <a:fillRef idx="1">
+            <a:schemeClr val="accent1"/>
+          </a:fillRef>
+          <a:effectRef idx="0">
+            <a:schemeClr val="accent1"/>
+          </a:effectRef>
+          <a:fontRef idx="minor">
+            <a:schemeClr val="lt1"/>
+          </a:fontRef>
+        </p:style>
+        <p:txBody>
+          <a:bodyPr rtlCol="0" anchor="ctr"/>
+          <a:lstStyle/>
+          <a:p>
+            <a:pPr algn="ctr"/>
+            <a:endParaRPr lang="zh-TW" altLang="en-US"/>
+          </a:p>
+        </p:txBody>
+      </p:sp>
+      <p:sp>
+        <p:nvSpPr>
+          <p:cNvPr id="54" name="Rectangle 54">
+            <a:extLst>
+              <a:ext uri="{FF2B5EF4-FFF2-40B4-BE49-F238E27FC236}">
+                <a16:creationId xmlns:a16="http://schemas.microsoft.com/office/drawing/2014/main" id="{B1A70A34-6285-4EC2-9FD4-183AE28CADE2}"/>
+              </a:ext>
+            </a:extLst>
+          </p:cNvPr>
+          <p:cNvSpPr/>
+          <p:nvPr/>
+        </p:nvSpPr>
+        <p:spPr>
+          <a:xfrm>
+            <a:off x="3857625" y="4379136"/>
+            <a:ext cx="3593307" cy="624046"/>
+          </a:xfrm>
+          <a:prstGeom prst="rect">
+            <a:avLst/>
+          </a:prstGeom>
+          <a:solidFill>
+            <a:srgbClr val="FFFFFF"/>
+          </a:solidFill>
+          <a:ln>
+            <a:noFill/>
+          </a:ln>
+        </p:spPr>
+        <p:style>
+          <a:lnRef idx="2">
+            <a:schemeClr val="accent1">
+              <a:shade val="50000"/>
+            </a:schemeClr>
+          </a:lnRef>
+          <a:fillRef idx="1">
+            <a:schemeClr val="accent1"/>
+          </a:fillRef>
+          <a:effectRef idx="0">
+            <a:schemeClr val="accent1"/>
+          </a:effectRef>
+          <a:fontRef idx="minor">
+            <a:schemeClr val="lt1"/>
+          </a:fontRef>
+        </p:style>
+        <p:txBody>
+          <a:bodyPr rtlCol="0" anchor="ctr"/>
+          <a:lstStyle/>
+          <a:p>
+            <a:pPr algn="ctr"/>
+            <a:endParaRPr lang="zh-TW" altLang="en-US"/>
+          </a:p>
+        </p:txBody>
+      </p:sp>
+      <p:grpSp>
+        <p:nvGrpSpPr>
+          <p:cNvPr id="132" name="Group 258 132">
+            <a:extLst>
+              <a:ext uri="{FF2B5EF4-FFF2-40B4-BE49-F238E27FC236}">
+                <a16:creationId xmlns:a16="http://schemas.microsoft.com/office/drawing/2014/main" id="{AF9B296F-91DE-47CC-B614-2691EADBE243}"/>
+              </a:ext>
+            </a:extLst>
+          </p:cNvPr>
+          <p:cNvGrpSpPr/>
+          <p:nvPr/>
+        </p:nvGrpSpPr>
+        <p:grpSpPr>
+          <a:xfrm>
+            <a:off x="3784976" y="4297600"/>
+            <a:ext cx="3825986" cy="734587"/>
+            <a:chOff x="7051882" y="1115572"/>
+            <a:chExt cx="3840575" cy="734587"/>
+          </a:xfrm>
+          <a:noFill/>
+        </p:grpSpPr>
+        <p:sp>
+          <p:nvSpPr>
+            <p:cNvPr id="133" name="TextBox 257 48">
+              <a:extLst>
+                <a:ext uri="{FF2B5EF4-FFF2-40B4-BE49-F238E27FC236}">
+                  <a16:creationId xmlns:a16="http://schemas.microsoft.com/office/drawing/2014/main" id="{F3F6DF23-44AA-4824-88C9-60CCB78B9C3C}"/>
+                </a:ext>
+              </a:extLst>
+            </p:cNvPr>
+            <p:cNvSpPr txBox="1"/>
+            <p:nvPr/>
+          </p:nvSpPr>
+          <p:spPr>
+            <a:xfrm>
+              <a:off x="7051882" y="1115572"/>
+              <a:ext cx="3840575" cy="369332"/>
+            </a:xfrm>
+            <a:prstGeom prst="rect">
+              <a:avLst/>
+            </a:prstGeom>
+            <a:grpFill/>
+          </p:spPr>
+          <p:txBody>
+            <a:bodyPr wrap="square" rtlCol="0">
+              <a:spAutoFit/>
+            </a:bodyPr>
+            <a:lstStyle/>
+            <a:p>
+              <a:r>
+                <a:rPr lang="en-US" altLang="zh-TW" dirty="0">
+                  <a:latin typeface="+mj-lt"/>
+                </a:rPr>
+                <a:t>Cartesian coordinate</a:t>
+              </a:r>
+              <a:r>
+                <a:rPr lang="zh-TW" altLang="en-US" dirty="0">
+                  <a:latin typeface="+mj-lt"/>
+                </a:rPr>
+                <a:t> </a:t>
+              </a:r>
+              <a:r>
+                <a:rPr lang="en-US" altLang="zh-TW" dirty="0">
+                  <a:latin typeface="+mj-lt"/>
+                </a:rPr>
+                <a:t>:</a:t>
+              </a:r>
+              <a:r>
+                <a:rPr lang="zh-TW" altLang="en-US" dirty="0">
+                  <a:latin typeface="+mj-lt"/>
+                </a:rPr>
+                <a:t> </a:t>
+              </a:r>
+              <a:r>
+                <a:rPr lang="en-US" altLang="zh-TW" dirty="0">
+                  <a:latin typeface="+mj-lt"/>
+                </a:rPr>
+                <a:t>(X</a:t>
+              </a:r>
+              <a:r>
+                <a:rPr lang="zh-TW" altLang="en-US" baseline="-25000" dirty="0">
+                  <a:latin typeface="+mj-lt"/>
+                </a:rPr>
+                <a:t>★</a:t>
+              </a:r>
+              <a:r>
+                <a:rPr lang="en-US" altLang="zh-TW" dirty="0">
+                  <a:latin typeface="+mj-lt"/>
+                </a:rPr>
+                <a:t>,</a:t>
+              </a:r>
+              <a:r>
+                <a:rPr lang="zh-TW" altLang="en-US" dirty="0">
+                  <a:latin typeface="+mj-lt"/>
+                </a:rPr>
+                <a:t> </a:t>
+              </a:r>
+              <a:r>
+                <a:rPr lang="en-US" altLang="zh-TW" dirty="0">
+                  <a:latin typeface="+mj-lt"/>
+                </a:rPr>
+                <a:t>Y</a:t>
+              </a:r>
+              <a:r>
+                <a:rPr lang="zh-TW" altLang="en-US" baseline="-25000" dirty="0">
+                  <a:latin typeface="+mj-lt"/>
+                </a:rPr>
+                <a:t>★</a:t>
+              </a:r>
+              <a:r>
+                <a:rPr lang="en-US" altLang="zh-TW" dirty="0">
+                  <a:latin typeface="+mj-lt"/>
+                </a:rPr>
+                <a:t>,</a:t>
+              </a:r>
+              <a:r>
+                <a:rPr lang="zh-TW" altLang="en-US" dirty="0">
+                  <a:latin typeface="+mj-lt"/>
+                </a:rPr>
+                <a:t> </a:t>
+              </a:r>
+              <a:r>
+                <a:rPr lang="en-US" altLang="zh-TW" dirty="0">
+                  <a:latin typeface="+mj-lt"/>
+                </a:rPr>
+                <a:t>Z</a:t>
+              </a:r>
+              <a:r>
+                <a:rPr lang="zh-TW" altLang="en-US" baseline="-25000" dirty="0">
+                  <a:latin typeface="+mj-lt"/>
+                </a:rPr>
+                <a:t>★</a:t>
+              </a:r>
+              <a:r>
+                <a:rPr lang="en-US" altLang="zh-TW" dirty="0">
+                  <a:latin typeface="+mj-lt"/>
+                </a:rPr>
+                <a:t>)</a:t>
+              </a:r>
+              <a:endParaRPr lang="zh-TW" altLang="en-US" dirty="0">
+                <a:latin typeface="+mj-lt"/>
+              </a:endParaRPr>
+            </a:p>
+          </p:txBody>
+        </p:sp>
+        <p:sp>
+          <p:nvSpPr>
+            <p:cNvPr id="134" name="TextBox 257 48">
+              <a:extLst>
+                <a:ext uri="{FF2B5EF4-FFF2-40B4-BE49-F238E27FC236}">
+                  <a16:creationId xmlns:a16="http://schemas.microsoft.com/office/drawing/2014/main" id="{9FC9FF68-888D-40AA-9EF6-E6322837A4D4}"/>
+                </a:ext>
+              </a:extLst>
+            </p:cNvPr>
+            <p:cNvSpPr txBox="1"/>
+            <p:nvPr/>
+          </p:nvSpPr>
+          <p:spPr>
+            <a:xfrm>
+              <a:off x="7051882" y="1480827"/>
+              <a:ext cx="3717240" cy="369332"/>
+            </a:xfrm>
+            <a:prstGeom prst="rect">
+              <a:avLst/>
+            </a:prstGeom>
+            <a:grpFill/>
+          </p:spPr>
+          <p:txBody>
+            <a:bodyPr wrap="square" rtlCol="0">
+              <a:spAutoFit/>
+            </a:bodyPr>
+            <a:lstStyle/>
+            <a:p>
+              <a:r>
+                <a:rPr lang="en-US" altLang="zh-TW" dirty="0">
+                  <a:latin typeface="+mj-lt"/>
+                </a:rPr>
+                <a:t>spherical coordinate</a:t>
+              </a:r>
+              <a:r>
+                <a:rPr lang="zh-TW" altLang="en-US" dirty="0">
+                  <a:latin typeface="+mj-lt"/>
+                </a:rPr>
+                <a:t> </a:t>
+              </a:r>
+              <a:r>
+                <a:rPr lang="en-US" altLang="zh-TW" dirty="0">
+                  <a:latin typeface="+mj-lt"/>
+                </a:rPr>
+                <a:t>:</a:t>
+              </a:r>
+              <a:r>
+                <a:rPr lang="zh-TW" altLang="en-US" dirty="0">
+                  <a:latin typeface="+mj-lt"/>
+                </a:rPr>
+                <a:t> </a:t>
+              </a:r>
+              <a:r>
+                <a:rPr lang="en-US" altLang="zh-TW" dirty="0">
+                  <a:latin typeface="+mj-lt"/>
+                </a:rPr>
+                <a:t>(</a:t>
+              </a:r>
+              <a:r>
+                <a:rPr lang="en-US" altLang="zh-TW" i="1" dirty="0">
+                  <a:latin typeface="+mj-lt"/>
+                </a:rPr>
+                <a:t>φ</a:t>
+              </a:r>
+              <a:r>
+                <a:rPr lang="zh-TW" altLang="en-US" baseline="-25000" dirty="0">
+                  <a:latin typeface="+mj-lt"/>
+                </a:rPr>
+                <a:t>★</a:t>
+              </a:r>
+              <a:r>
+                <a:rPr lang="en-US" altLang="zh-TW" dirty="0">
+                  <a:latin typeface="+mj-lt"/>
+                </a:rPr>
+                <a:t>,</a:t>
+              </a:r>
+              <a:r>
+                <a:rPr lang="zh-TW" altLang="en-US" dirty="0">
+                  <a:latin typeface="+mj-lt"/>
+                </a:rPr>
+                <a:t> </a:t>
+              </a:r>
+              <a:r>
+                <a:rPr lang="en-US" altLang="zh-TW" dirty="0">
+                  <a:latin typeface="+mj-lt"/>
+                </a:rPr>
+                <a:t>λ</a:t>
+              </a:r>
+              <a:r>
+                <a:rPr lang="zh-TW" altLang="en-US" baseline="-25000" dirty="0">
+                  <a:latin typeface="+mj-lt"/>
+                </a:rPr>
+                <a:t>★</a:t>
+              </a:r>
+              <a:r>
+                <a:rPr lang="en-US" altLang="zh-TW" dirty="0">
+                  <a:latin typeface="+mj-lt"/>
+                </a:rPr>
+                <a:t>,</a:t>
+              </a:r>
+              <a:r>
+                <a:rPr lang="zh-TW" altLang="en-US" dirty="0">
+                  <a:latin typeface="+mj-lt"/>
+                </a:rPr>
+                <a:t> </a:t>
+              </a:r>
+              <a:r>
+                <a:rPr lang="en-US" altLang="zh-TW" dirty="0">
+                  <a:latin typeface="+mj-lt"/>
+                </a:rPr>
+                <a:t>h</a:t>
+              </a:r>
+              <a:r>
+                <a:rPr lang="zh-TW" altLang="en-US" baseline="-25000" dirty="0">
+                  <a:latin typeface="+mj-lt"/>
+                </a:rPr>
+                <a:t>★</a:t>
+              </a:r>
+              <a:r>
+                <a:rPr lang="en-US" altLang="zh-TW" dirty="0">
+                  <a:latin typeface="+mj-lt"/>
+                </a:rPr>
+                <a:t>)</a:t>
+              </a:r>
+              <a:endParaRPr lang="zh-TW" altLang="en-US" dirty="0">
+                <a:latin typeface="+mj-lt"/>
+              </a:endParaRPr>
+            </a:p>
+          </p:txBody>
+        </p:sp>
+      </p:grpSp>
+      <p:sp>
+        <p:nvSpPr>
+          <p:cNvPr id="139" name="Oval 258 139">
             <a:extLst>
               <a:ext uri="{FF2B5EF4-FFF2-40B4-BE49-F238E27FC236}">
                 <a16:creationId xmlns:a16="http://schemas.microsoft.com/office/drawing/2014/main" id="{762B89F3-E4E5-4858-82E0-933DF857E0DF}"/>
@@ -7676,10 +7648,10 @@
       </p:sp>
       <p:sp>
         <p:nvSpPr>
-          <p:cNvPr id="130" name="手繪多邊形: 圖案 129">
-            <a:extLst>
-              <a:ext uri="{FF2B5EF4-FFF2-40B4-BE49-F238E27FC236}">
-                <a16:creationId xmlns:a16="http://schemas.microsoft.com/office/drawing/2014/main" id="{92DFBD1F-837F-469F-AD11-A46D41F4BBEC}"/>
+          <p:cNvPr id="15" name="手繪多邊形: 圖案 14">
+            <a:extLst>
+              <a:ext uri="{FF2B5EF4-FFF2-40B4-BE49-F238E27FC236}">
+                <a16:creationId xmlns:a16="http://schemas.microsoft.com/office/drawing/2014/main" id="{C7AD7290-8E10-43D2-A73C-6EAFE19334C2}"/>
               </a:ext>
             </a:extLst>
           </p:cNvPr>
@@ -7688,20 +7660,20 @@
         </p:nvSpPr>
         <p:spPr>
           <a:xfrm>
-            <a:off x="7162800" y="4845844"/>
-            <a:ext cx="557213" cy="402431"/>
+            <a:off x="7594600" y="4327525"/>
+            <a:ext cx="393700" cy="850900"/>
           </a:xfrm>
           <a:custGeom>
             <a:avLst/>
             <a:gdLst>
-              <a:gd name="connsiteX0" fmla="*/ 0 w 557213"/>
-              <a:gd name="connsiteY0" fmla="*/ 0 h 402431"/>
-              <a:gd name="connsiteX1" fmla="*/ 171450 w 557213"/>
-              <a:gd name="connsiteY1" fmla="*/ 390525 h 402431"/>
-              <a:gd name="connsiteX2" fmla="*/ 261938 w 557213"/>
-              <a:gd name="connsiteY2" fmla="*/ 28575 h 402431"/>
-              <a:gd name="connsiteX3" fmla="*/ 557213 w 557213"/>
-              <a:gd name="connsiteY3" fmla="*/ 402431 h 402431"/>
+              <a:gd name="connsiteX0" fmla="*/ 0 w 393700"/>
+              <a:gd name="connsiteY0" fmla="*/ 0 h 850900"/>
+              <a:gd name="connsiteX1" fmla="*/ 104775 w 393700"/>
+              <a:gd name="connsiteY1" fmla="*/ 257175 h 850900"/>
+              <a:gd name="connsiteX2" fmla="*/ 203200 w 393700"/>
+              <a:gd name="connsiteY2" fmla="*/ 82550 h 850900"/>
+              <a:gd name="connsiteX3" fmla="*/ 393700 w 393700"/>
+              <a:gd name="connsiteY3" fmla="*/ 850900 h 850900"/>
             </a:gdLst>
             <a:ahLst/>
             <a:cxnLst>
@@ -7720,24 +7692,24 @@
             </a:cxnLst>
             <a:rect l="l" t="t" r="r" b="b"/>
             <a:pathLst>
-              <a:path w="557213" h="402431">
+              <a:path w="393700" h="850900">
                 <a:moveTo>
                   <a:pt x="0" y="0"/>
                 </a:moveTo>
                 <a:cubicBezTo>
-                  <a:pt x="63897" y="192881"/>
-                  <a:pt x="127794" y="385763"/>
-                  <a:pt x="171450" y="390525"/>
+                  <a:pt x="35454" y="121708"/>
+                  <a:pt x="70908" y="243417"/>
+                  <a:pt x="104775" y="257175"/>
                 </a:cubicBezTo>
                 <a:cubicBezTo>
-                  <a:pt x="215106" y="395287"/>
-                  <a:pt x="197644" y="26591"/>
-                  <a:pt x="261938" y="28575"/>
+                  <a:pt x="138642" y="270933"/>
+                  <a:pt x="155046" y="-16404"/>
+                  <a:pt x="203200" y="82550"/>
                 </a:cubicBezTo>
                 <a:cubicBezTo>
-                  <a:pt x="326232" y="30559"/>
-                  <a:pt x="441722" y="216495"/>
-                  <a:pt x="557213" y="402431"/>
+                  <a:pt x="251354" y="181504"/>
+                  <a:pt x="322527" y="516202"/>
+                  <a:pt x="393700" y="850900"/>
                 </a:cubicBezTo>
               </a:path>
             </a:pathLst>
@@ -7778,14 +7750,14 @@
           </a:p>
         </p:txBody>
       </p:sp>
-      <mc:AlternateContent xmlns:mc="http://schemas.openxmlformats.org/markup-compatibility/2006">
-        <mc:Choice xmlns:a14="http://schemas.microsoft.com/office/drawing/2010/main" Requires="a14">
+      <mc:AlternateContent xmlns:mc="http://schemas.openxmlformats.org/markup-compatibility/2006" xmlns:a14="http://schemas.microsoft.com/office/drawing/2010/main">
+        <mc:Choice Requires="a14">
           <p:sp>
             <p:nvSpPr>
-              <p:cNvPr id="142" name="TextBox 258 74">
+              <p:cNvPr id="60" name="TextBox 258 142">
                 <a:extLst>
                   <a:ext uri="{FF2B5EF4-FFF2-40B4-BE49-F238E27FC236}">
-                    <a16:creationId xmlns:a16="http://schemas.microsoft.com/office/drawing/2014/main" id="{E97EE836-E6F7-4D92-AFC0-D5DF357385F4}"/>
+                    <a16:creationId xmlns:a16="http://schemas.microsoft.com/office/drawing/2014/main" id="{59B16AC6-8BD7-47A7-969A-988E8F0510E7}"/>
                   </a:ext>
                 </a:extLst>
               </p:cNvPr>
@@ -7794,8 +7766,8 @@
             </p:nvSpPr>
             <p:spPr>
               <a:xfrm>
-                <a:off x="6696024" y="5130209"/>
-                <a:ext cx="2421731" cy="369332"/>
+                <a:off x="8153255" y="1264962"/>
+                <a:ext cx="1618749" cy="646331"/>
               </a:xfrm>
               <a:prstGeom prst="rect">
                 <a:avLst/>
@@ -7808,11 +7780,44 @@
               </a:bodyPr>
               <a:lstStyle/>
               <a:p>
+                <a:r>
+                  <a:rPr lang="en-US" altLang="zh-TW" dirty="0">
+                    <a:solidFill>
+                      <a:srgbClr val="FF0000"/>
+                    </a:solidFill>
+                    <a:latin typeface="+mj-lt"/>
+                  </a:rPr>
+                  <a:t>E</a:t>
+                </a:r>
+                <a14:m>
+                  <m:oMath xmlns:m="http://schemas.openxmlformats.org/officeDocument/2006/math">
+                    <m:r>
+                      <m:rPr>
+                        <m:nor/>
+                      </m:rPr>
+                      <a:rPr lang="en-US" altLang="zh-TW" dirty="0">
+                        <a:solidFill>
+                          <a:srgbClr val="FF0000"/>
+                        </a:solidFill>
+                        <a:latin typeface="+mj-lt"/>
+                      </a:rPr>
+                      <m:t>llipsoidal</m:t>
+                    </m:r>
+                  </m:oMath>
+                </a14:m>
+                <a:endParaRPr lang="en-US" altLang="zh-TW" dirty="0">
+                  <a:solidFill>
+                    <a:srgbClr val="FF0000"/>
+                  </a:solidFill>
+                  <a:latin typeface="+mj-lt"/>
+                </a:endParaRPr>
+              </a:p>
+              <a:p>
                 <a:pPr/>
                 <a14:m>
                   <m:oMathPara xmlns:m="http://schemas.openxmlformats.org/officeDocument/2006/math">
                     <m:oMathParaPr>
-                      <m:jc m:val="centerGroup"/>
+                      <m:jc m:val="left"/>
                     </m:oMathParaPr>
                     <m:oMath xmlns:m="http://schemas.openxmlformats.org/officeDocument/2006/math">
                       <m:r>
@@ -7821,21 +7826,30 @@
                         </m:rPr>
                         <a:rPr lang="en-US" altLang="zh-TW" b="0" i="0" dirty="0" smtClean="0">
                           <a:solidFill>
-                            <a:schemeClr val="accent6">
-                              <a:lumMod val="75000"/>
-                            </a:schemeClr>
+                            <a:srgbClr val="FF0000"/>
                           </a:solidFill>
+                          <a:latin typeface="+mj-lt"/>
                         </a:rPr>
-                        <m:t>Meridian</m:t>
+                        <m:t>H</m:t>
+                      </m:r>
+                      <m:r>
+                        <m:rPr>
+                          <m:nor/>
+                        </m:rPr>
+                        <a:rPr lang="en-US" altLang="zh-TW" dirty="0">
+                          <a:solidFill>
+                            <a:srgbClr val="FF0000"/>
+                          </a:solidFill>
+                          <a:latin typeface="+mj-lt"/>
+                        </a:rPr>
+                        <m:t>eight</m:t>
                       </m:r>
                     </m:oMath>
                   </m:oMathPara>
                 </a14:m>
                 <a:endParaRPr lang="zh-TW" altLang="en-US" dirty="0">
                   <a:solidFill>
-                    <a:schemeClr val="accent6">
-                      <a:lumMod val="75000"/>
-                    </a:schemeClr>
+                    <a:srgbClr val="FF0000"/>
                   </a:solidFill>
                   <a:latin typeface="+mj-lt"/>
                 </a:endParaRPr>
@@ -7843,13 +7857,13 @@
             </p:txBody>
           </p:sp>
         </mc:Choice>
-        <mc:Fallback>
+        <mc:Fallback xmlns="">
           <p:sp>
             <p:nvSpPr>
-              <p:cNvPr id="142" name="TextBox 258 74">
+              <p:cNvPr id="60" name="TextBox 258 142">
                 <a:extLst>
                   <a:ext uri="{FF2B5EF4-FFF2-40B4-BE49-F238E27FC236}">
-                    <a16:creationId xmlns:a16="http://schemas.microsoft.com/office/drawing/2014/main" id="{E97EE836-E6F7-4D92-AFC0-D5DF357385F4}"/>
+                    <a16:creationId xmlns:a16="http://schemas.microsoft.com/office/drawing/2014/main" id="{59B16AC6-8BD7-47A7-969A-988E8F0510E7}"/>
                   </a:ext>
                 </a:extLst>
               </p:cNvPr>
@@ -7860,8 +7874,8 @@
             </p:nvSpPr>
             <p:spPr>
               <a:xfrm>
-                <a:off x="6696024" y="5130209"/>
-                <a:ext cx="2421731" cy="369332"/>
+                <a:off x="8153255" y="1264962"/>
+                <a:ext cx="1618749" cy="646331"/>
               </a:xfrm>
               <a:prstGeom prst="rect">
                 <a:avLst/>
@@ -7869,7 +7883,7 @@
               <a:blipFill>
                 <a:blip r:embed="rId3"/>
                 <a:stretch>
-                  <a:fillRect/>
+                  <a:fillRect l="-3008" t="-5660" b="-8491"/>
                 </a:stretch>
               </a:blipFill>
             </p:spPr>
@@ -7888,6 +7902,121 @@
           </p:sp>
         </mc:Fallback>
       </mc:AlternateContent>
+      <p:sp>
+        <p:nvSpPr>
+          <p:cNvPr id="17" name="手繪多邊形: 圖案 16">
+            <a:extLst>
+              <a:ext uri="{FF2B5EF4-FFF2-40B4-BE49-F238E27FC236}">
+                <a16:creationId xmlns:a16="http://schemas.microsoft.com/office/drawing/2014/main" id="{821BAE12-EB44-4399-8906-7DE3F5C90E4B}"/>
+              </a:ext>
+            </a:extLst>
+          </p:cNvPr>
+          <p:cNvSpPr/>
+          <p:nvPr/>
+        </p:nvSpPr>
+        <p:spPr>
+          <a:xfrm>
+            <a:off x="7122562" y="1036512"/>
+            <a:ext cx="1573834" cy="531938"/>
+          </a:xfrm>
+          <a:custGeom>
+            <a:avLst/>
+            <a:gdLst>
+              <a:gd name="connsiteX0" fmla="*/ 279415 w 1588601"/>
+              <a:gd name="connsiteY0" fmla="*/ 519902 h 519902"/>
+              <a:gd name="connsiteX1" fmla="*/ 69865 w 1588601"/>
+              <a:gd name="connsiteY1" fmla="*/ 27777 h 519902"/>
+              <a:gd name="connsiteX2" fmla="*/ 1343040 w 1588601"/>
+              <a:gd name="connsiteY2" fmla="*/ 88102 h 519902"/>
+              <a:gd name="connsiteX3" fmla="*/ 1587515 w 1588601"/>
+              <a:gd name="connsiteY3" fmla="*/ 310352 h 519902"/>
+              <a:gd name="connsiteX0" fmla="*/ 265664 w 1573834"/>
+              <a:gd name="connsiteY0" fmla="*/ 531938 h 531938"/>
+              <a:gd name="connsiteX1" fmla="*/ 56114 w 1573834"/>
+              <a:gd name="connsiteY1" fmla="*/ 39813 h 531938"/>
+              <a:gd name="connsiteX2" fmla="*/ 1138789 w 1573834"/>
+              <a:gd name="connsiteY2" fmla="*/ 62038 h 531938"/>
+              <a:gd name="connsiteX3" fmla="*/ 1573764 w 1573834"/>
+              <a:gd name="connsiteY3" fmla="*/ 322388 h 531938"/>
+            </a:gdLst>
+            <a:ahLst/>
+            <a:cxnLst>
+              <a:cxn ang="0">
+                <a:pos x="connsiteX0" y="connsiteY0"/>
+              </a:cxn>
+              <a:cxn ang="0">
+                <a:pos x="connsiteX1" y="connsiteY1"/>
+              </a:cxn>
+              <a:cxn ang="0">
+                <a:pos x="connsiteX2" y="connsiteY2"/>
+              </a:cxn>
+              <a:cxn ang="0">
+                <a:pos x="connsiteX3" y="connsiteY3"/>
+              </a:cxn>
+            </a:cxnLst>
+            <a:rect l="l" t="t" r="r" b="b"/>
+            <a:pathLst>
+              <a:path w="1573834" h="531938">
+                <a:moveTo>
+                  <a:pt x="265664" y="531938"/>
+                </a:moveTo>
+                <a:cubicBezTo>
+                  <a:pt x="72253" y="321859"/>
+                  <a:pt x="-89407" y="118130"/>
+                  <a:pt x="56114" y="39813"/>
+                </a:cubicBezTo>
+                <a:cubicBezTo>
+                  <a:pt x="201635" y="-38504"/>
+                  <a:pt x="885847" y="14942"/>
+                  <a:pt x="1138789" y="62038"/>
+                </a:cubicBezTo>
+                <a:cubicBezTo>
+                  <a:pt x="1391731" y="109134"/>
+                  <a:pt x="1577997" y="234811"/>
+                  <a:pt x="1573764" y="322388"/>
+                </a:cubicBezTo>
+              </a:path>
+            </a:pathLst>
+          </a:custGeom>
+          <a:noFill/>
+          <a:ln w="12700">
+            <a:solidFill>
+              <a:srgbClr val="FF0000"/>
+            </a:solidFill>
+            <a:headEnd type="triangle" w="med" len="med"/>
+            <a:tailEnd type="none" w="med" len="med"/>
+          </a:ln>
+        </p:spPr>
+        <p:style>
+          <a:lnRef idx="2">
+            <a:schemeClr val="accent1">
+              <a:shade val="50000"/>
+            </a:schemeClr>
+          </a:lnRef>
+          <a:fillRef idx="1">
+            <a:schemeClr val="accent1"/>
+          </a:fillRef>
+          <a:effectRef idx="0">
+            <a:schemeClr val="accent1"/>
+          </a:effectRef>
+          <a:fontRef idx="minor">
+            <a:schemeClr val="lt1"/>
+          </a:fontRef>
+        </p:style>
+        <p:txBody>
+          <a:bodyPr rot="0" spcFirstLastPara="0" vertOverflow="overflow" horzOverflow="overflow" vert="horz" wrap="square" lIns="91440" tIns="45720" rIns="91440" bIns="45720" numCol="1" spcCol="0" rtlCol="0" fromWordArt="0" anchor="ctr" anchorCtr="0" forceAA="0" compatLnSpc="1">
+            <a:prstTxWarp prst="textNoShape">
+              <a:avLst/>
+            </a:prstTxWarp>
+            <a:noAutofit/>
+          </a:bodyPr>
+          <a:lstStyle/>
+          <a:p>
+            <a:pPr algn="ctr"/>
+            <a:endParaRPr lang="zh-TW" altLang="en-US"/>
+          </a:p>
+        </p:txBody>
+      </p:sp>
     </p:spTree>
     <p:extLst>
       <p:ext uri="{BB962C8B-B14F-4D97-AF65-F5344CB8AC3E}">
